--- a/PPT/DeepLearning19-Autoencoders.pptx
+++ b/PPT/DeepLearning19-Autoencoders.pptx
@@ -5,19 +5,21 @@
     <p:sldMasterId id="2147483653" r:id="rId1"/>
   </p:sldMasterIdLst>
   <p:notesMasterIdLst>
-    <p:notesMasterId r:id="rId9"/>
+    <p:notesMasterId r:id="rId11"/>
   </p:notesMasterIdLst>
   <p:handoutMasterIdLst>
-    <p:handoutMasterId r:id="rId10"/>
+    <p:handoutMasterId r:id="rId12"/>
   </p:handoutMasterIdLst>
   <p:sldIdLst>
     <p:sldId id="264" r:id="rId2"/>
     <p:sldId id="280" r:id="rId3"/>
-    <p:sldId id="275" r:id="rId4"/>
-    <p:sldId id="276" r:id="rId5"/>
-    <p:sldId id="281" r:id="rId6"/>
-    <p:sldId id="278" r:id="rId7"/>
-    <p:sldId id="279" r:id="rId8"/>
+    <p:sldId id="281" r:id="rId4"/>
+    <p:sldId id="275" r:id="rId5"/>
+    <p:sldId id="276" r:id="rId6"/>
+    <p:sldId id="282" r:id="rId7"/>
+    <p:sldId id="277" r:id="rId8"/>
+    <p:sldId id="278" r:id="rId9"/>
+    <p:sldId id="279" r:id="rId10"/>
   </p:sldIdLst>
   <p:sldSz cx="9144000" cy="6858000" type="screen4x3"/>
   <p:notesSz cx="6648450" cy="9782175"/>
@@ -3956,262 +3958,6 @@
       </p:grpSpPr>
       <p:sp>
         <p:nvSpPr>
-          <p:cNvPr id="2" name="Titre 1"/>
-          <p:cNvSpPr>
-            <a:spLocks noGrp="1"/>
-          </p:cNvSpPr>
-          <p:nvPr>
-            <p:ph type="title"/>
-          </p:nvPr>
-        </p:nvSpPr>
-        <p:spPr/>
-        <p:txBody>
-          <a:bodyPr/>
-          <a:lstStyle/>
-          <a:p>
-            <a:r>
-              <a:rPr lang="fr-FR" dirty="0"/>
-              <a:t>Réseaux </a:t>
-            </a:r>
-            <a:r>
-              <a:rPr lang="fr-FR" dirty="0" err="1"/>
-              <a:t>déconvolutifs</a:t>
-            </a:r>
-            <a:endParaRPr lang="fr-FR" dirty="0"/>
-          </a:p>
-        </p:txBody>
-      </p:sp>
-      <p:sp>
-        <p:nvSpPr>
-          <p:cNvPr id="3" name="Espace réservé du contenu 2"/>
-          <p:cNvSpPr>
-            <a:spLocks noGrp="1"/>
-          </p:cNvSpPr>
-          <p:nvPr>
-            <p:ph idx="1"/>
-          </p:nvPr>
-        </p:nvSpPr>
-        <p:spPr/>
-        <p:txBody>
-          <a:bodyPr/>
-          <a:lstStyle/>
-          <a:p>
-            <a:r>
-              <a:rPr lang="fr-FR" dirty="0"/>
-              <a:t>Permet de construire de l'information</a:t>
-            </a:r>
-          </a:p>
-          <a:p>
-            <a:r>
-              <a:rPr lang="fr-FR" dirty="0"/>
-              <a:t>Très utilisé dans le Deep Fake</a:t>
-            </a:r>
-          </a:p>
-          <a:p>
-            <a:endParaRPr lang="fr-FR" dirty="0"/>
-          </a:p>
-        </p:txBody>
-      </p:sp>
-      <p:pic>
-        <p:nvPicPr>
-          <p:cNvPr id="5122" name="Picture 2" descr="https://miro.medium.com/max/800/1*OkUrpDD6I0FpugA_bbYBJQ.png"/>
-          <p:cNvPicPr>
-            <a:picLocks noChangeAspect="1" noChangeArrowheads="1"/>
-          </p:cNvPicPr>
-          <p:nvPr/>
-        </p:nvPicPr>
-        <p:blipFill>
-          <a:blip r:embed="rId2">
-            <a:extLst>
-              <a:ext uri="{28A0092B-C50C-407E-A947-70E740481C1C}">
-                <a14:useLocalDpi xmlns:a14="http://schemas.microsoft.com/office/drawing/2010/main" val="0"/>
-              </a:ext>
-            </a:extLst>
-          </a:blip>
-          <a:srcRect/>
-          <a:stretch>
-            <a:fillRect/>
-          </a:stretch>
-        </p:blipFill>
-        <p:spPr bwMode="auto">
-          <a:xfrm>
-            <a:off x="1979712" y="2564904"/>
-            <a:ext cx="5328592" cy="4562608"/>
-          </a:xfrm>
-          <a:prstGeom prst="rect">
-            <a:avLst/>
-          </a:prstGeom>
-          <a:noFill/>
-          <a:extLst>
-            <a:ext uri="{909E8E84-426E-40DD-AFC4-6F175D3DCCD1}">
-              <a14:hiddenFill xmlns:a14="http://schemas.microsoft.com/office/drawing/2010/main">
-                <a:solidFill>
-                  <a:srgbClr val="FFFFFF"/>
-                </a:solidFill>
-              </a14:hiddenFill>
-            </a:ext>
-          </a:extLst>
-        </p:spPr>
-      </p:pic>
-    </p:spTree>
-    <p:extLst>
-      <p:ext uri="{BB962C8B-B14F-4D97-AF65-F5344CB8AC3E}">
-        <p14:creationId xmlns:p14="http://schemas.microsoft.com/office/powerpoint/2010/main" val="3046295239"/>
-      </p:ext>
-    </p:extLst>
-  </p:cSld>
-  <p:clrMapOvr>
-    <a:masterClrMapping/>
-  </p:clrMapOvr>
-</p:sld>
-</file>
-
-<file path=ppt/slides/slide4.xml><?xml version="1.0" encoding="utf-8"?>
-<p:sld xmlns:a="http://schemas.openxmlformats.org/drawingml/2006/main" xmlns:r="http://schemas.openxmlformats.org/officeDocument/2006/relationships" xmlns:p="http://schemas.openxmlformats.org/presentationml/2006/main">
-  <p:cSld>
-    <p:spTree>
-      <p:nvGrpSpPr>
-        <p:cNvPr id="1" name=""/>
-        <p:cNvGrpSpPr/>
-        <p:nvPr/>
-      </p:nvGrpSpPr>
-      <p:grpSpPr>
-        <a:xfrm>
-          <a:off x="0" y="0"/>
-          <a:ext cx="0" cy="0"/>
-          <a:chOff x="0" y="0"/>
-          <a:chExt cx="0" cy="0"/>
-        </a:xfrm>
-      </p:grpSpPr>
-      <p:sp>
-        <p:nvSpPr>
-          <p:cNvPr id="2" name="Titre 1"/>
-          <p:cNvSpPr>
-            <a:spLocks noGrp="1"/>
-          </p:cNvSpPr>
-          <p:nvPr>
-            <p:ph type="title"/>
-          </p:nvPr>
-        </p:nvSpPr>
-        <p:spPr/>
-        <p:txBody>
-          <a:bodyPr/>
-          <a:lstStyle/>
-          <a:p>
-            <a:r>
-              <a:rPr lang="fr-FR" dirty="0"/>
-              <a:t>Conv2dTranspose</a:t>
-            </a:r>
-          </a:p>
-        </p:txBody>
-      </p:sp>
-      <p:sp>
-        <p:nvSpPr>
-          <p:cNvPr id="3" name="Espace réservé du contenu 2"/>
-          <p:cNvSpPr>
-            <a:spLocks noGrp="1"/>
-          </p:cNvSpPr>
-          <p:nvPr>
-            <p:ph idx="1"/>
-          </p:nvPr>
-        </p:nvSpPr>
-        <p:spPr/>
-        <p:txBody>
-          <a:bodyPr/>
-          <a:lstStyle/>
-          <a:p>
-            <a:r>
-              <a:rPr lang="fr-FR" dirty="0"/>
-              <a:t>Effectue une </a:t>
-            </a:r>
-            <a:r>
-              <a:rPr lang="fr-FR" dirty="0" err="1"/>
-              <a:t>déconvolution</a:t>
-            </a:r>
-            <a:endParaRPr lang="fr-FR" dirty="0"/>
-          </a:p>
-          <a:p>
-            <a:pPr lvl="1"/>
-            <a:r>
-              <a:rPr lang="fr-FR" dirty="0"/>
-              <a:t>Inverse la convolution et le </a:t>
-            </a:r>
-            <a:r>
-              <a:rPr lang="fr-FR" dirty="0" err="1"/>
-              <a:t>pooling</a:t>
-            </a:r>
-            <a:endParaRPr lang="fr-FR" dirty="0"/>
-          </a:p>
-          <a:p>
-            <a:pPr lvl="1"/>
-            <a:r>
-              <a:rPr lang="fr-FR" dirty="0"/>
-              <a:t>Le nombre de possibilité est très élevé</a:t>
-            </a:r>
-          </a:p>
-          <a:p>
-            <a:pPr lvl="1"/>
-            <a:r>
-              <a:rPr lang="fr-FR" dirty="0"/>
-              <a:t>Le paramètre de Conv2dTranspose est le nombre de fenêtre de </a:t>
-            </a:r>
-            <a:r>
-              <a:rPr lang="fr-FR" dirty="0" err="1"/>
-              <a:t>déconvolution</a:t>
-            </a:r>
-            <a:r>
-              <a:rPr lang="fr-FR" dirty="0"/>
-              <a:t> possible</a:t>
-            </a:r>
-          </a:p>
-          <a:p>
-            <a:pPr lvl="1"/>
-            <a:r>
-              <a:rPr lang="fr-FR" dirty="0"/>
-              <a:t>Ce sont les poids du layer</a:t>
-            </a:r>
-          </a:p>
-          <a:p>
-            <a:pPr lvl="1"/>
-            <a:r>
-              <a:rPr lang="fr-FR" dirty="0"/>
-              <a:t>Reconstruit une image haute définition à partir d’une basse résolution</a:t>
-            </a:r>
-          </a:p>
-        </p:txBody>
-      </p:sp>
-    </p:spTree>
-    <p:extLst>
-      <p:ext uri="{BB962C8B-B14F-4D97-AF65-F5344CB8AC3E}">
-        <p14:creationId xmlns:p14="http://schemas.microsoft.com/office/powerpoint/2010/main" val="343384502"/>
-      </p:ext>
-    </p:extLst>
-  </p:cSld>
-  <p:clrMapOvr>
-    <a:masterClrMapping/>
-  </p:clrMapOvr>
-</p:sld>
-</file>
-
-<file path=ppt/slides/slide5.xml><?xml version="1.0" encoding="utf-8"?>
-<p:sld xmlns:a="http://schemas.openxmlformats.org/drawingml/2006/main" xmlns:r="http://schemas.openxmlformats.org/officeDocument/2006/relationships" xmlns:p="http://schemas.openxmlformats.org/presentationml/2006/main">
-  <p:cSld>
-    <p:spTree>
-      <p:nvGrpSpPr>
-        <p:cNvPr id="1" name=""/>
-        <p:cNvGrpSpPr/>
-        <p:nvPr/>
-      </p:nvGrpSpPr>
-      <p:grpSpPr>
-        <a:xfrm>
-          <a:off x="0" y="0"/>
-          <a:ext cx="0" cy="0"/>
-          <a:chOff x="0" y="0"/>
-          <a:chExt cx="0" cy="0"/>
-        </a:xfrm>
-      </p:grpSpPr>
-      <p:sp>
-        <p:nvSpPr>
           <p:cNvPr id="2" name="Titre 1">
             <a:extLst>
               <a:ext uri="{FF2B5EF4-FFF2-40B4-BE49-F238E27FC236}">
@@ -4326,7 +4072,556 @@
 </p:sld>
 </file>
 
+<file path=ppt/slides/slide4.xml><?xml version="1.0" encoding="utf-8"?>
+<p:sld xmlns:a="http://schemas.openxmlformats.org/drawingml/2006/main" xmlns:r="http://schemas.openxmlformats.org/officeDocument/2006/relationships" xmlns:p="http://schemas.openxmlformats.org/presentationml/2006/main">
+  <p:cSld>
+    <p:spTree>
+      <p:nvGrpSpPr>
+        <p:cNvPr id="1" name=""/>
+        <p:cNvGrpSpPr/>
+        <p:nvPr/>
+      </p:nvGrpSpPr>
+      <p:grpSpPr>
+        <a:xfrm>
+          <a:off x="0" y="0"/>
+          <a:ext cx="0" cy="0"/>
+          <a:chOff x="0" y="0"/>
+          <a:chExt cx="0" cy="0"/>
+        </a:xfrm>
+      </p:grpSpPr>
+      <p:sp>
+        <p:nvSpPr>
+          <p:cNvPr id="2" name="Titre 1"/>
+          <p:cNvSpPr>
+            <a:spLocks noGrp="1"/>
+          </p:cNvSpPr>
+          <p:nvPr>
+            <p:ph type="title"/>
+          </p:nvPr>
+        </p:nvSpPr>
+        <p:spPr/>
+        <p:txBody>
+          <a:bodyPr/>
+          <a:lstStyle/>
+          <a:p>
+            <a:r>
+              <a:rPr lang="fr-FR" dirty="0"/>
+              <a:t>Réseaux </a:t>
+            </a:r>
+            <a:r>
+              <a:rPr lang="fr-FR" dirty="0" err="1"/>
+              <a:t>déconvolutifs</a:t>
+            </a:r>
+            <a:endParaRPr lang="fr-FR" dirty="0"/>
+          </a:p>
+        </p:txBody>
+      </p:sp>
+      <p:sp>
+        <p:nvSpPr>
+          <p:cNvPr id="3" name="Espace réservé du contenu 2"/>
+          <p:cNvSpPr>
+            <a:spLocks noGrp="1"/>
+          </p:cNvSpPr>
+          <p:nvPr>
+            <p:ph idx="1"/>
+          </p:nvPr>
+        </p:nvSpPr>
+        <p:spPr/>
+        <p:txBody>
+          <a:bodyPr/>
+          <a:lstStyle/>
+          <a:p>
+            <a:r>
+              <a:rPr lang="fr-FR" dirty="0"/>
+              <a:t>Permet de construire de l'information</a:t>
+            </a:r>
+          </a:p>
+          <a:p>
+            <a:r>
+              <a:rPr lang="fr-FR" dirty="0"/>
+              <a:t>Très utilisé dans le Deep Fake</a:t>
+            </a:r>
+          </a:p>
+          <a:p>
+            <a:endParaRPr lang="fr-FR" dirty="0"/>
+          </a:p>
+        </p:txBody>
+      </p:sp>
+      <p:pic>
+        <p:nvPicPr>
+          <p:cNvPr id="5122" name="Picture 2" descr="https://miro.medium.com/max/800/1*OkUrpDD6I0FpugA_bbYBJQ.png"/>
+          <p:cNvPicPr>
+            <a:picLocks noChangeAspect="1" noChangeArrowheads="1"/>
+          </p:cNvPicPr>
+          <p:nvPr/>
+        </p:nvPicPr>
+        <p:blipFill>
+          <a:blip r:embed="rId2">
+            <a:extLst>
+              <a:ext uri="{28A0092B-C50C-407E-A947-70E740481C1C}">
+                <a14:useLocalDpi xmlns:a14="http://schemas.microsoft.com/office/drawing/2010/main" val="0"/>
+              </a:ext>
+            </a:extLst>
+          </a:blip>
+          <a:srcRect/>
+          <a:stretch>
+            <a:fillRect/>
+          </a:stretch>
+        </p:blipFill>
+        <p:spPr bwMode="auto">
+          <a:xfrm>
+            <a:off x="1979712" y="2564904"/>
+            <a:ext cx="5328592" cy="4562608"/>
+          </a:xfrm>
+          <a:prstGeom prst="rect">
+            <a:avLst/>
+          </a:prstGeom>
+          <a:noFill/>
+          <a:extLst>
+            <a:ext uri="{909E8E84-426E-40DD-AFC4-6F175D3DCCD1}">
+              <a14:hiddenFill xmlns:a14="http://schemas.microsoft.com/office/drawing/2010/main">
+                <a:solidFill>
+                  <a:srgbClr val="FFFFFF"/>
+                </a:solidFill>
+              </a14:hiddenFill>
+            </a:ext>
+          </a:extLst>
+        </p:spPr>
+      </p:pic>
+    </p:spTree>
+    <p:extLst>
+      <p:ext uri="{BB962C8B-B14F-4D97-AF65-F5344CB8AC3E}">
+        <p14:creationId xmlns:p14="http://schemas.microsoft.com/office/powerpoint/2010/main" val="2540110072"/>
+      </p:ext>
+    </p:extLst>
+  </p:cSld>
+  <p:clrMapOvr>
+    <a:masterClrMapping/>
+  </p:clrMapOvr>
+</p:sld>
+</file>
+
+<file path=ppt/slides/slide5.xml><?xml version="1.0" encoding="utf-8"?>
+<p:sld xmlns:a="http://schemas.openxmlformats.org/drawingml/2006/main" xmlns:r="http://schemas.openxmlformats.org/officeDocument/2006/relationships" xmlns:p="http://schemas.openxmlformats.org/presentationml/2006/main">
+  <p:cSld>
+    <p:spTree>
+      <p:nvGrpSpPr>
+        <p:cNvPr id="1" name=""/>
+        <p:cNvGrpSpPr/>
+        <p:nvPr/>
+      </p:nvGrpSpPr>
+      <p:grpSpPr>
+        <a:xfrm>
+          <a:off x="0" y="0"/>
+          <a:ext cx="0" cy="0"/>
+          <a:chOff x="0" y="0"/>
+          <a:chExt cx="0" cy="0"/>
+        </a:xfrm>
+      </p:grpSpPr>
+      <p:sp>
+        <p:nvSpPr>
+          <p:cNvPr id="2" name="Titre 1"/>
+          <p:cNvSpPr>
+            <a:spLocks noGrp="1"/>
+          </p:cNvSpPr>
+          <p:nvPr>
+            <p:ph type="title"/>
+          </p:nvPr>
+        </p:nvSpPr>
+        <p:spPr/>
+        <p:txBody>
+          <a:bodyPr/>
+          <a:lstStyle/>
+          <a:p>
+            <a:r>
+              <a:rPr lang="fr-FR" dirty="0"/>
+              <a:t>Conv2dTranspose</a:t>
+            </a:r>
+          </a:p>
+        </p:txBody>
+      </p:sp>
+      <p:sp>
+        <p:nvSpPr>
+          <p:cNvPr id="3" name="Espace réservé du contenu 2"/>
+          <p:cNvSpPr>
+            <a:spLocks noGrp="1"/>
+          </p:cNvSpPr>
+          <p:nvPr>
+            <p:ph idx="1"/>
+          </p:nvPr>
+        </p:nvSpPr>
+        <p:spPr/>
+        <p:txBody>
+          <a:bodyPr/>
+          <a:lstStyle/>
+          <a:p>
+            <a:r>
+              <a:rPr lang="fr-FR" dirty="0"/>
+              <a:t>Effectue une </a:t>
+            </a:r>
+            <a:r>
+              <a:rPr lang="fr-FR" dirty="0" err="1"/>
+              <a:t>déconvolution</a:t>
+            </a:r>
+            <a:endParaRPr lang="fr-FR" dirty="0"/>
+          </a:p>
+          <a:p>
+            <a:pPr lvl="1"/>
+            <a:r>
+              <a:rPr lang="fr-FR" dirty="0"/>
+              <a:t>Inverse la convolution et le </a:t>
+            </a:r>
+            <a:r>
+              <a:rPr lang="fr-FR" dirty="0" err="1"/>
+              <a:t>pooling</a:t>
+            </a:r>
+            <a:endParaRPr lang="fr-FR" dirty="0"/>
+          </a:p>
+          <a:p>
+            <a:pPr lvl="1"/>
+            <a:r>
+              <a:rPr lang="fr-FR" dirty="0"/>
+              <a:t>Le nombre de possibilité est très élevé</a:t>
+            </a:r>
+          </a:p>
+          <a:p>
+            <a:pPr lvl="1"/>
+            <a:r>
+              <a:rPr lang="fr-FR" dirty="0"/>
+              <a:t>Le paramètre de Conv2dTranspose est le nombre de fenêtre de </a:t>
+            </a:r>
+            <a:r>
+              <a:rPr lang="fr-FR" dirty="0" err="1"/>
+              <a:t>déconvolution</a:t>
+            </a:r>
+            <a:r>
+              <a:rPr lang="fr-FR" dirty="0"/>
+              <a:t> possible</a:t>
+            </a:r>
+          </a:p>
+          <a:p>
+            <a:pPr lvl="1"/>
+            <a:r>
+              <a:rPr lang="fr-FR" dirty="0"/>
+              <a:t>Ce sont les poids du layer</a:t>
+            </a:r>
+          </a:p>
+          <a:p>
+            <a:pPr lvl="1"/>
+            <a:r>
+              <a:rPr lang="fr-FR" dirty="0"/>
+              <a:t>Reconstruit une image haute définition à partir d’une basse résolution</a:t>
+            </a:r>
+          </a:p>
+        </p:txBody>
+      </p:sp>
+    </p:spTree>
+    <p:extLst>
+      <p:ext uri="{BB962C8B-B14F-4D97-AF65-F5344CB8AC3E}">
+        <p14:creationId xmlns:p14="http://schemas.microsoft.com/office/powerpoint/2010/main" val="975490300"/>
+      </p:ext>
+    </p:extLst>
+  </p:cSld>
+  <p:clrMapOvr>
+    <a:masterClrMapping/>
+  </p:clrMapOvr>
+</p:sld>
+</file>
+
 <file path=ppt/slides/slide6.xml><?xml version="1.0" encoding="utf-8"?>
+<p:sld xmlns:a="http://schemas.openxmlformats.org/drawingml/2006/main" xmlns:r="http://schemas.openxmlformats.org/officeDocument/2006/relationships" xmlns:p="http://schemas.openxmlformats.org/presentationml/2006/main">
+  <p:cSld>
+    <p:spTree>
+      <p:nvGrpSpPr>
+        <p:cNvPr id="1" name=""/>
+        <p:cNvGrpSpPr/>
+        <p:nvPr/>
+      </p:nvGrpSpPr>
+      <p:grpSpPr>
+        <a:xfrm>
+          <a:off x="0" y="0"/>
+          <a:ext cx="0" cy="0"/>
+          <a:chOff x="0" y="0"/>
+          <a:chExt cx="0" cy="0"/>
+        </a:xfrm>
+      </p:grpSpPr>
+      <p:sp>
+        <p:nvSpPr>
+          <p:cNvPr id="2" name="Titre 1">
+            <a:extLst>
+              <a:ext uri="{FF2B5EF4-FFF2-40B4-BE49-F238E27FC236}">
+                <a16:creationId xmlns:a16="http://schemas.microsoft.com/office/drawing/2014/main" id="{D0450BDF-8630-9D4A-E201-2AB02A07A896}"/>
+              </a:ext>
+            </a:extLst>
+          </p:cNvPr>
+          <p:cNvSpPr>
+            <a:spLocks noGrp="1"/>
+          </p:cNvSpPr>
+          <p:nvPr>
+            <p:ph type="title"/>
+          </p:nvPr>
+        </p:nvSpPr>
+        <p:spPr/>
+        <p:txBody>
+          <a:bodyPr/>
+          <a:lstStyle/>
+          <a:p>
+            <a:r>
+              <a:rPr lang="fr-FR" dirty="0" err="1"/>
+              <a:t>Autoencoder</a:t>
+            </a:r>
+            <a:r>
+              <a:rPr lang="fr-FR" dirty="0"/>
+              <a:t> Convolutif</a:t>
+            </a:r>
+          </a:p>
+        </p:txBody>
+      </p:sp>
+      <p:sp>
+        <p:nvSpPr>
+          <p:cNvPr id="3" name="Espace réservé du contenu 2">
+            <a:extLst>
+              <a:ext uri="{FF2B5EF4-FFF2-40B4-BE49-F238E27FC236}">
+                <a16:creationId xmlns:a16="http://schemas.microsoft.com/office/drawing/2014/main" id="{81360CBD-F688-FD13-EDD2-0CC70A31FA1D}"/>
+              </a:ext>
+            </a:extLst>
+          </p:cNvPr>
+          <p:cNvSpPr>
+            <a:spLocks noGrp="1"/>
+          </p:cNvSpPr>
+          <p:nvPr>
+            <p:ph idx="1"/>
+          </p:nvPr>
+        </p:nvSpPr>
+        <p:spPr/>
+        <p:txBody>
+          <a:bodyPr/>
+          <a:lstStyle/>
+          <a:p>
+            <a:r>
+              <a:rPr lang="fr-FR" dirty="0"/>
+              <a:t>Réseau CNN</a:t>
+            </a:r>
+          </a:p>
+          <a:p>
+            <a:pPr lvl="1"/>
+            <a:r>
+              <a:rPr lang="fr-FR" dirty="0"/>
+              <a:t>Exemple du </a:t>
+            </a:r>
+            <a:r>
+              <a:rPr lang="fr-FR" dirty="0" err="1"/>
+              <a:t>débruitage</a:t>
+            </a:r>
+            <a:endParaRPr lang="fr-FR" dirty="0"/>
+          </a:p>
+        </p:txBody>
+      </p:sp>
+      <p:pic>
+        <p:nvPicPr>
+          <p:cNvPr id="1026" name="Picture 2" descr="Résultats du débruitage d'image">
+            <a:extLst>
+              <a:ext uri="{FF2B5EF4-FFF2-40B4-BE49-F238E27FC236}">
+                <a16:creationId xmlns:a16="http://schemas.microsoft.com/office/drawing/2014/main" id="{97CD02EB-C17E-09B3-57DD-FD3C5A963B2B}"/>
+              </a:ext>
+            </a:extLst>
+          </p:cNvPr>
+          <p:cNvPicPr>
+            <a:picLocks noChangeAspect="1" noChangeArrowheads="1"/>
+          </p:cNvPicPr>
+          <p:nvPr/>
+        </p:nvPicPr>
+        <p:blipFill>
+          <a:blip r:embed="rId2">
+            <a:extLst>
+              <a:ext uri="{28A0092B-C50C-407E-A947-70E740481C1C}">
+                <a14:useLocalDpi xmlns:a14="http://schemas.microsoft.com/office/drawing/2010/main" val="0"/>
+              </a:ext>
+            </a:extLst>
+          </a:blip>
+          <a:srcRect/>
+          <a:stretch>
+            <a:fillRect/>
+          </a:stretch>
+        </p:blipFill>
+        <p:spPr bwMode="auto">
+          <a:xfrm>
+            <a:off x="0" y="2481263"/>
+            <a:ext cx="9144000" cy="1893887"/>
+          </a:xfrm>
+          <a:prstGeom prst="rect">
+            <a:avLst/>
+          </a:prstGeom>
+          <a:noFill/>
+          <a:extLst>
+            <a:ext uri="{909E8E84-426E-40DD-AFC4-6F175D3DCCD1}">
+              <a14:hiddenFill xmlns:a14="http://schemas.microsoft.com/office/drawing/2010/main">
+                <a:solidFill>
+                  <a:srgbClr val="FFFFFF"/>
+                </a:solidFill>
+              </a14:hiddenFill>
+            </a:ext>
+          </a:extLst>
+        </p:spPr>
+      </p:pic>
+    </p:spTree>
+    <p:extLst>
+      <p:ext uri="{BB962C8B-B14F-4D97-AF65-F5344CB8AC3E}">
+        <p14:creationId xmlns:p14="http://schemas.microsoft.com/office/powerpoint/2010/main" val="782915704"/>
+      </p:ext>
+    </p:extLst>
+  </p:cSld>
+  <p:clrMapOvr>
+    <a:masterClrMapping/>
+  </p:clrMapOvr>
+</p:sld>
+</file>
+
+<file path=ppt/slides/slide7.xml><?xml version="1.0" encoding="utf-8"?>
+<p:sld xmlns:a="http://schemas.openxmlformats.org/drawingml/2006/main" xmlns:r="http://schemas.openxmlformats.org/officeDocument/2006/relationships" xmlns:p="http://schemas.openxmlformats.org/presentationml/2006/main">
+  <p:cSld>
+    <p:spTree>
+      <p:nvGrpSpPr>
+        <p:cNvPr id="1" name=""/>
+        <p:cNvGrpSpPr/>
+        <p:nvPr/>
+      </p:nvGrpSpPr>
+      <p:grpSpPr>
+        <a:xfrm>
+          <a:off x="0" y="0"/>
+          <a:ext cx="0" cy="0"/>
+          <a:chOff x="0" y="0"/>
+          <a:chExt cx="0" cy="0"/>
+        </a:xfrm>
+      </p:grpSpPr>
+      <p:sp>
+        <p:nvSpPr>
+          <p:cNvPr id="2" name="Titre 1"/>
+          <p:cNvSpPr>
+            <a:spLocks noGrp="1"/>
+          </p:cNvSpPr>
+          <p:nvPr>
+            <p:ph type="title"/>
+          </p:nvPr>
+        </p:nvSpPr>
+        <p:spPr/>
+        <p:txBody>
+          <a:bodyPr/>
+          <a:lstStyle/>
+          <a:p>
+            <a:r>
+              <a:rPr lang="fr-FR" dirty="0"/>
+              <a:t>RNN</a:t>
+            </a:r>
+          </a:p>
+        </p:txBody>
+      </p:sp>
+      <p:sp>
+        <p:nvSpPr>
+          <p:cNvPr id="3" name="Espace réservé du contenu 2"/>
+          <p:cNvSpPr>
+            <a:spLocks noGrp="1"/>
+          </p:cNvSpPr>
+          <p:nvPr>
+            <p:ph idx="1"/>
+          </p:nvPr>
+        </p:nvSpPr>
+        <p:spPr>
+          <a:xfrm>
+            <a:off x="179513" y="1412776"/>
+            <a:ext cx="5976664" cy="5040560"/>
+          </a:xfrm>
+        </p:spPr>
+        <p:txBody>
+          <a:bodyPr/>
+          <a:lstStyle/>
+          <a:p>
+            <a:r>
+              <a:rPr lang="fr-FR" sz="2400" dirty="0"/>
+              <a:t>Un réseau de neurones est un réseau de neurones artificiels présentant des connexions récurrentes</a:t>
+            </a:r>
+          </a:p>
+          <a:p>
+            <a:pPr lvl="1"/>
+            <a:r>
+              <a:rPr lang="fr-FR" sz="2000" dirty="0"/>
+              <a:t>Un réseau de neurones récurrents est constitué d'unités (neurones) interconnectées interagissant non-linéairement et pour lequel il existe au moins un cycle dans la structure</a:t>
+            </a:r>
+          </a:p>
+          <a:p>
+            <a:pPr lvl="1"/>
+            <a:r>
+              <a:rPr lang="fr-FR" sz="2000" dirty="0"/>
+              <a:t>Les unités sont reliées par des arcs (synapses) qui possèdent un poids. La sortie d'un neurone est une combinaison non linéaire de ses entrées</a:t>
+            </a:r>
+          </a:p>
+          <a:p>
+            <a:pPr lvl="1"/>
+            <a:endParaRPr lang="fr-FR" sz="2000" dirty="0"/>
+          </a:p>
+        </p:txBody>
+      </p:sp>
+      <p:pic>
+        <p:nvPicPr>
+          <p:cNvPr id="4" name="Picture 2">
+            <a:extLst>
+              <a:ext uri="{FF2B5EF4-FFF2-40B4-BE49-F238E27FC236}">
+                <a16:creationId xmlns:a16="http://schemas.microsoft.com/office/drawing/2014/main" id="{60AF4DCC-66CF-4C60-8533-70C989DE56E3}"/>
+              </a:ext>
+            </a:extLst>
+          </p:cNvPr>
+          <p:cNvPicPr>
+            <a:picLocks noChangeAspect="1" noChangeArrowheads="1"/>
+          </p:cNvPicPr>
+          <p:nvPr/>
+        </p:nvPicPr>
+        <p:blipFill>
+          <a:blip r:embed="rId2">
+            <a:extLst>
+              <a:ext uri="{28A0092B-C50C-407E-A947-70E740481C1C}">
+                <a14:useLocalDpi xmlns:a14="http://schemas.microsoft.com/office/drawing/2010/main" val="0"/>
+              </a:ext>
+            </a:extLst>
+          </a:blip>
+          <a:srcRect/>
+          <a:stretch>
+            <a:fillRect/>
+          </a:stretch>
+        </p:blipFill>
+        <p:spPr bwMode="auto">
+          <a:xfrm>
+            <a:off x="6484993" y="2420888"/>
+            <a:ext cx="2476500" cy="2562225"/>
+          </a:xfrm>
+          <a:prstGeom prst="rect">
+            <a:avLst/>
+          </a:prstGeom>
+          <a:noFill/>
+          <a:extLst>
+            <a:ext uri="{909E8E84-426E-40DD-AFC4-6F175D3DCCD1}">
+              <a14:hiddenFill xmlns:a14="http://schemas.microsoft.com/office/drawing/2010/main">
+                <a:solidFill>
+                  <a:srgbClr val="FFFFFF"/>
+                </a:solidFill>
+              </a14:hiddenFill>
+            </a:ext>
+          </a:extLst>
+        </p:spPr>
+      </p:pic>
+    </p:spTree>
+    <p:extLst>
+      <p:ext uri="{BB962C8B-B14F-4D97-AF65-F5344CB8AC3E}">
+        <p14:creationId xmlns:p14="http://schemas.microsoft.com/office/powerpoint/2010/main" val="2911215806"/>
+      </p:ext>
+    </p:extLst>
+  </p:cSld>
+  <p:clrMapOvr>
+    <a:masterClrMapping/>
+  </p:clrMapOvr>
+</p:sld>
+</file>
+
+<file path=ppt/slides/slide8.xml><?xml version="1.0" encoding="utf-8"?>
 <p:sld xmlns:a="http://schemas.openxmlformats.org/drawingml/2006/main" xmlns:r="http://schemas.openxmlformats.org/officeDocument/2006/relationships" xmlns:p="http://schemas.openxmlformats.org/presentationml/2006/main">
   <p:cSld>
     <p:spTree>
@@ -4454,7 +4749,7 @@
 </p:sld>
 </file>
 
-<file path=ppt/slides/slide7.xml><?xml version="1.0" encoding="utf-8"?>
+<file path=ppt/slides/slide9.xml><?xml version="1.0" encoding="utf-8"?>
 <p:sld xmlns:a="http://schemas.openxmlformats.org/drawingml/2006/main" xmlns:r="http://schemas.openxmlformats.org/officeDocument/2006/relationships" xmlns:p="http://schemas.openxmlformats.org/presentationml/2006/main">
   <p:cSld>
     <p:spTree>
